--- a/01week/demo/1week.pptx
+++ b/01week/demo/1week.pptx
@@ -6,8 +6,11 @@
   </p:sldMasterIdLst>
   <p:sldIdLst>
     <p:sldId id="256" r:id="rId2"/>
-    <p:sldId id="257" r:id="rId3"/>
-    <p:sldId id="258" r:id="rId4"/>
+    <p:sldId id="259" r:id="rId3"/>
+    <p:sldId id="257" r:id="rId4"/>
+    <p:sldId id="260" r:id="rId5"/>
+    <p:sldId id="258" r:id="rId6"/>
+    <p:sldId id="261" r:id="rId7"/>
   </p:sldIdLst>
   <p:sldSz cx="9144000" cy="6858000" type="screen4x3"/>
   <p:notesSz cx="6858000" cy="9144000"/>
@@ -290,6 +293,7 @@
           <a:p>
             <a:fld id="{BA538C48-C122-47A5-BB95-D7207D62401B}" type="datetimeFigureOut">
               <a:rPr lang="hu-HU" smtClean="0"/>
+              <a:pPr/>
               <a:t>2016.10.21.</a:t>
             </a:fld>
             <a:endParaRPr lang="hu-HU"/>
@@ -332,6 +336,7 @@
           <a:p>
             <a:fld id="{B9C39258-8D55-496A-8C01-3963398CB46A}" type="slidenum">
               <a:rPr lang="hu-HU" smtClean="0"/>
+              <a:pPr/>
               <a:t>‹#›</a:t>
             </a:fld>
             <a:endParaRPr lang="hu-HU"/>
@@ -455,6 +460,7 @@
           <a:p>
             <a:fld id="{BA538C48-C122-47A5-BB95-D7207D62401B}" type="datetimeFigureOut">
               <a:rPr lang="hu-HU" smtClean="0"/>
+              <a:pPr/>
               <a:t>2016.10.21.</a:t>
             </a:fld>
             <a:endParaRPr lang="hu-HU"/>
@@ -497,6 +503,7 @@
           <a:p>
             <a:fld id="{B9C39258-8D55-496A-8C01-3963398CB46A}" type="slidenum">
               <a:rPr lang="hu-HU" smtClean="0"/>
+              <a:pPr/>
               <a:t>‹#›</a:t>
             </a:fld>
             <a:endParaRPr lang="hu-HU"/>
@@ -630,6 +637,7 @@
           <a:p>
             <a:fld id="{BA538C48-C122-47A5-BB95-D7207D62401B}" type="datetimeFigureOut">
               <a:rPr lang="hu-HU" smtClean="0"/>
+              <a:pPr/>
               <a:t>2016.10.21.</a:t>
             </a:fld>
             <a:endParaRPr lang="hu-HU"/>
@@ -672,6 +680,7 @@
           <a:p>
             <a:fld id="{B9C39258-8D55-496A-8C01-3963398CB46A}" type="slidenum">
               <a:rPr lang="hu-HU" smtClean="0"/>
+              <a:pPr/>
               <a:t>‹#›</a:t>
             </a:fld>
             <a:endParaRPr lang="hu-HU"/>
@@ -795,6 +804,7 @@
           <a:p>
             <a:fld id="{BA538C48-C122-47A5-BB95-D7207D62401B}" type="datetimeFigureOut">
               <a:rPr lang="hu-HU" smtClean="0"/>
+              <a:pPr/>
               <a:t>2016.10.21.</a:t>
             </a:fld>
             <a:endParaRPr lang="hu-HU"/>
@@ -837,6 +847,7 @@
           <a:p>
             <a:fld id="{B9C39258-8D55-496A-8C01-3963398CB46A}" type="slidenum">
               <a:rPr lang="hu-HU" smtClean="0"/>
+              <a:pPr/>
               <a:t>‹#›</a:t>
             </a:fld>
             <a:endParaRPr lang="hu-HU"/>
@@ -1036,6 +1047,7 @@
           <a:p>
             <a:fld id="{BA538C48-C122-47A5-BB95-D7207D62401B}" type="datetimeFigureOut">
               <a:rPr lang="hu-HU" smtClean="0"/>
+              <a:pPr/>
               <a:t>2016.10.21.</a:t>
             </a:fld>
             <a:endParaRPr lang="hu-HU"/>
@@ -1078,6 +1090,7 @@
           <a:p>
             <a:fld id="{B9C39258-8D55-496A-8C01-3963398CB46A}" type="slidenum">
               <a:rPr lang="hu-HU" smtClean="0"/>
+              <a:pPr/>
               <a:t>‹#›</a:t>
             </a:fld>
             <a:endParaRPr lang="hu-HU"/>
@@ -1319,6 +1332,7 @@
           <a:p>
             <a:fld id="{BA538C48-C122-47A5-BB95-D7207D62401B}" type="datetimeFigureOut">
               <a:rPr lang="hu-HU" smtClean="0"/>
+              <a:pPr/>
               <a:t>2016.10.21.</a:t>
             </a:fld>
             <a:endParaRPr lang="hu-HU"/>
@@ -1361,6 +1375,7 @@
           <a:p>
             <a:fld id="{B9C39258-8D55-496A-8C01-3963398CB46A}" type="slidenum">
               <a:rPr lang="hu-HU" smtClean="0"/>
+              <a:pPr/>
               <a:t>‹#›</a:t>
             </a:fld>
             <a:endParaRPr lang="hu-HU"/>
@@ -1736,6 +1751,7 @@
           <a:p>
             <a:fld id="{BA538C48-C122-47A5-BB95-D7207D62401B}" type="datetimeFigureOut">
               <a:rPr lang="hu-HU" smtClean="0"/>
+              <a:pPr/>
               <a:t>2016.10.21.</a:t>
             </a:fld>
             <a:endParaRPr lang="hu-HU"/>
@@ -1778,6 +1794,7 @@
           <a:p>
             <a:fld id="{B9C39258-8D55-496A-8C01-3963398CB46A}" type="slidenum">
               <a:rPr lang="hu-HU" smtClean="0"/>
+              <a:pPr/>
               <a:t>‹#›</a:t>
             </a:fld>
             <a:endParaRPr lang="hu-HU"/>
@@ -1849,6 +1866,7 @@
           <a:p>
             <a:fld id="{BA538C48-C122-47A5-BB95-D7207D62401B}" type="datetimeFigureOut">
               <a:rPr lang="hu-HU" smtClean="0"/>
+              <a:pPr/>
               <a:t>2016.10.21.</a:t>
             </a:fld>
             <a:endParaRPr lang="hu-HU"/>
@@ -1891,6 +1909,7 @@
           <a:p>
             <a:fld id="{B9C39258-8D55-496A-8C01-3963398CB46A}" type="slidenum">
               <a:rPr lang="hu-HU" smtClean="0"/>
+              <a:pPr/>
               <a:t>‹#›</a:t>
             </a:fld>
             <a:endParaRPr lang="hu-HU"/>
@@ -1939,6 +1958,7 @@
           <a:p>
             <a:fld id="{BA538C48-C122-47A5-BB95-D7207D62401B}" type="datetimeFigureOut">
               <a:rPr lang="hu-HU" smtClean="0"/>
+              <a:pPr/>
               <a:t>2016.10.21.</a:t>
             </a:fld>
             <a:endParaRPr lang="hu-HU"/>
@@ -1981,6 +2001,7 @@
           <a:p>
             <a:fld id="{B9C39258-8D55-496A-8C01-3963398CB46A}" type="slidenum">
               <a:rPr lang="hu-HU" smtClean="0"/>
+              <a:pPr/>
               <a:t>‹#›</a:t>
             </a:fld>
             <a:endParaRPr lang="hu-HU"/>
@@ -2211,6 +2232,7 @@
           <a:p>
             <a:fld id="{BA538C48-C122-47A5-BB95-D7207D62401B}" type="datetimeFigureOut">
               <a:rPr lang="hu-HU" smtClean="0"/>
+              <a:pPr/>
               <a:t>2016.10.21.</a:t>
             </a:fld>
             <a:endParaRPr lang="hu-HU"/>
@@ -2253,6 +2275,7 @@
           <a:p>
             <a:fld id="{B9C39258-8D55-496A-8C01-3963398CB46A}" type="slidenum">
               <a:rPr lang="hu-HU" smtClean="0"/>
+              <a:pPr/>
               <a:t>‹#›</a:t>
             </a:fld>
             <a:endParaRPr lang="hu-HU"/>
@@ -2459,6 +2482,7 @@
           <a:p>
             <a:fld id="{BA538C48-C122-47A5-BB95-D7207D62401B}" type="datetimeFigureOut">
               <a:rPr lang="hu-HU" smtClean="0"/>
+              <a:pPr/>
               <a:t>2016.10.21.</a:t>
             </a:fld>
             <a:endParaRPr lang="hu-HU"/>
@@ -2501,6 +2525,7 @@
           <a:p>
             <a:fld id="{B9C39258-8D55-496A-8C01-3963398CB46A}" type="slidenum">
               <a:rPr lang="hu-HU" smtClean="0"/>
+              <a:pPr/>
               <a:t>‹#›</a:t>
             </a:fld>
             <a:endParaRPr lang="hu-HU"/>
@@ -2667,6 +2692,7 @@
           <a:p>
             <a:fld id="{BA538C48-C122-47A5-BB95-D7207D62401B}" type="datetimeFigureOut">
               <a:rPr lang="hu-HU" smtClean="0"/>
+              <a:pPr/>
               <a:t>2016.10.21.</a:t>
             </a:fld>
             <a:endParaRPr lang="hu-HU"/>
@@ -2745,6 +2771,7 @@
           <a:p>
             <a:fld id="{B9C39258-8D55-496A-8C01-3963398CB46A}" type="slidenum">
               <a:rPr lang="hu-HU" smtClean="0"/>
+              <a:pPr/>
               <a:t>‹#›</a:t>
             </a:fld>
             <a:endParaRPr lang="hu-HU"/>
@@ -3148,93 +3175,48 @@
           <a:p>
             <a:r>
               <a:rPr lang="en-US" dirty="0" smtClean="0"/>
-              <a:t>Software development</a:t>
+              <a:t>Soft skills</a:t>
             </a:r>
             <a:endParaRPr lang="hu-HU" dirty="0"/>
           </a:p>
         </p:txBody>
       </p:sp>
-      <p:sp>
-        <p:nvSpPr>
-          <p:cNvPr id="6" name="Szöveg helye 5"/>
-          <p:cNvSpPr>
-            <a:spLocks noGrp="1"/>
-          </p:cNvSpPr>
-          <p:nvPr>
-            <p:ph type="body" idx="1"/>
-          </p:nvPr>
-        </p:nvSpPr>
-        <p:spPr/>
-        <p:txBody>
-          <a:bodyPr/>
-          <a:lstStyle/>
-          <a:p>
-            <a:endParaRPr lang="hu-HU"/>
-          </a:p>
-        </p:txBody>
-      </p:sp>
-      <p:sp>
-        <p:nvSpPr>
-          <p:cNvPr id="7" name="Tartalom helye 6"/>
-          <p:cNvSpPr>
-            <a:spLocks noGrp="1"/>
-          </p:cNvSpPr>
-          <p:nvPr>
-            <p:ph sz="half" idx="2"/>
-          </p:nvPr>
-        </p:nvSpPr>
-        <p:spPr/>
-        <p:txBody>
-          <a:bodyPr/>
-          <a:lstStyle/>
-          <a:p>
-            <a:endParaRPr lang="hu-HU"/>
-          </a:p>
-        </p:txBody>
-      </p:sp>
-      <p:sp>
-        <p:nvSpPr>
-          <p:cNvPr id="8" name="Szöveg helye 7"/>
-          <p:cNvSpPr>
-            <a:spLocks noGrp="1"/>
-          </p:cNvSpPr>
-          <p:nvPr>
-            <p:ph type="body" sz="quarter" idx="3"/>
-          </p:nvPr>
-        </p:nvSpPr>
-        <p:spPr/>
-        <p:txBody>
-          <a:bodyPr/>
-          <a:lstStyle/>
-          <a:p>
-            <a:endParaRPr lang="hu-HU"/>
-          </a:p>
-        </p:txBody>
-      </p:sp>
-      <p:sp>
-        <p:nvSpPr>
-          <p:cNvPr id="9" name="Tartalom helye 8"/>
-          <p:cNvSpPr>
-            <a:spLocks noGrp="1"/>
-          </p:cNvSpPr>
-          <p:nvPr>
-            <p:ph sz="quarter" idx="4"/>
-          </p:nvPr>
-        </p:nvSpPr>
-        <p:spPr/>
-        <p:txBody>
-          <a:bodyPr/>
-          <a:lstStyle/>
-          <a:p>
-            <a:endParaRPr lang="hu-HU"/>
-          </a:p>
-        </p:txBody>
-      </p:sp>
+      <p:pic>
+        <p:nvPicPr>
+          <p:cNvPr id="7" name="Tartalom helye 6" descr="soft-skills-IT-pros-should-have.jpg"/>
+          <p:cNvPicPr>
+            <a:picLocks noGrp="1" noChangeAspect="1"/>
+          </p:cNvPicPr>
+          <p:nvPr>
+            <p:ph idx="1"/>
+          </p:nvPr>
+        </p:nvPicPr>
+        <p:blipFill>
+          <a:blip r:embed="rId2" cstate="print"/>
+          <a:srcRect b="16636"/>
+          <a:stretch>
+            <a:fillRect/>
+          </a:stretch>
+        </p:blipFill>
+        <p:spPr>
+          <a:xfrm>
+            <a:off x="323528" y="1196752"/>
+            <a:ext cx="8496944" cy="4968552"/>
+          </a:xfrm>
+        </p:spPr>
+      </p:pic>
     </p:spTree>
   </p:cSld>
   <p:clrMapOvr>
     <a:masterClrMapping/>
   </p:clrMapOvr>
+  <p:timing>
+    <p:tnLst>
+      <p:par>
+        <p:cTn id="1" dur="indefinite" restart="never" nodeType="tmRoot"/>
+      </p:par>
+    </p:tnLst>
+  </p:timing>
 </p:sld>
 </file>
 
@@ -3257,7 +3239,7 @@
       </p:grpSpPr>
       <p:sp>
         <p:nvSpPr>
-          <p:cNvPr id="2" name="Cím 1"/>
+          <p:cNvPr id="5" name="Cím 4"/>
           <p:cNvSpPr>
             <a:spLocks noGrp="1"/>
           </p:cNvSpPr>
@@ -3270,13 +3252,17 @@
           <a:bodyPr/>
           <a:lstStyle/>
           <a:p>
-            <a:endParaRPr lang="hu-HU"/>
-          </a:p>
-        </p:txBody>
-      </p:sp>
-      <p:sp>
-        <p:nvSpPr>
-          <p:cNvPr id="3" name="Szöveg helye 2"/>
+            <a:r>
+              <a:rPr lang="en-US" dirty="0" smtClean="0"/>
+              <a:t>Web developing 1</a:t>
+            </a:r>
+            <a:endParaRPr lang="hu-HU" dirty="0"/>
+          </a:p>
+        </p:txBody>
+      </p:sp>
+      <p:sp>
+        <p:nvSpPr>
+          <p:cNvPr id="6" name="Szöveg helye 5"/>
           <p:cNvSpPr>
             <a:spLocks noGrp="1"/>
           </p:cNvSpPr>
@@ -3289,13 +3275,41 @@
           <a:bodyPr/>
           <a:lstStyle/>
           <a:p>
-            <a:endParaRPr lang="hu-HU"/>
-          </a:p>
-        </p:txBody>
-      </p:sp>
-      <p:sp>
-        <p:nvSpPr>
-          <p:cNvPr id="5" name="Szöveg helye 4"/>
+            <a:pPr algn="ctr"/>
+            <a:r>
+              <a:rPr lang="en-US" dirty="0" smtClean="0"/>
+              <a:t>HTML</a:t>
+            </a:r>
+            <a:endParaRPr lang="hu-HU" dirty="0"/>
+          </a:p>
+        </p:txBody>
+      </p:sp>
+      <p:pic>
+        <p:nvPicPr>
+          <p:cNvPr id="10" name="Tartalom helye 9" descr="200px-HTML.svg.png"/>
+          <p:cNvPicPr>
+            <a:picLocks noGrp="1" noChangeAspect="1"/>
+          </p:cNvPicPr>
+          <p:nvPr>
+            <p:ph sz="half" idx="2"/>
+          </p:nvPr>
+        </p:nvPicPr>
+        <p:blipFill>
+          <a:blip r:embed="rId2" cstate="print"/>
+          <a:stretch>
+            <a:fillRect/>
+          </a:stretch>
+        </p:blipFill>
+        <p:spPr>
+          <a:xfrm>
+            <a:off x="1403648" y="2780928"/>
+            <a:ext cx="2543150" cy="2962770"/>
+          </a:xfrm>
+        </p:spPr>
+      </p:pic>
+      <p:sp>
+        <p:nvSpPr>
+          <p:cNvPr id="8" name="Szöveg helye 7"/>
           <p:cNvSpPr>
             <a:spLocks noGrp="1"/>
           </p:cNvSpPr>
@@ -3308,53 +3322,436 @@
           <a:bodyPr/>
           <a:lstStyle/>
           <a:p>
-            <a:endParaRPr lang="hu-HU"/>
-          </a:p>
-        </p:txBody>
-      </p:sp>
-      <p:sp>
-        <p:nvSpPr>
-          <p:cNvPr id="6" name="Tartalom helye 5"/>
-          <p:cNvSpPr>
-            <a:spLocks noGrp="1"/>
-          </p:cNvSpPr>
+            <a:pPr algn="ctr"/>
+            <a:r>
+              <a:rPr lang="en-US" dirty="0" smtClean="0"/>
+              <a:t>CSS</a:t>
+            </a:r>
+            <a:endParaRPr lang="hu-HU" dirty="0"/>
+          </a:p>
+        </p:txBody>
+      </p:sp>
+      <p:pic>
+        <p:nvPicPr>
+          <p:cNvPr id="11" name="Tartalom helye 10" descr="CSS-shade.svg.png"/>
+          <p:cNvPicPr>
+            <a:picLocks noGrp="1" noChangeAspect="1"/>
+          </p:cNvPicPr>
           <p:nvPr>
             <p:ph sz="quarter" idx="4"/>
           </p:nvPr>
-        </p:nvSpPr>
-        <p:spPr/>
-        <p:txBody>
-          <a:bodyPr/>
-          <a:lstStyle/>
-          <a:p>
-            <a:endParaRPr lang="hu-HU"/>
-          </a:p>
-        </p:txBody>
-      </p:sp>
-      <p:sp>
-        <p:nvSpPr>
-          <p:cNvPr id="8" name="Tartalom helye 7"/>
-          <p:cNvSpPr>
-            <a:spLocks noGrp="1"/>
-          </p:cNvSpPr>
-          <p:nvPr>
-            <p:ph sz="half" idx="2"/>
-          </p:nvPr>
-        </p:nvSpPr>
-        <p:spPr/>
-        <p:txBody>
-          <a:bodyPr/>
-          <a:lstStyle/>
-          <a:p>
-            <a:endParaRPr lang="hu-HU"/>
-          </a:p>
-        </p:txBody>
-      </p:sp>
+        </p:nvPicPr>
+        <p:blipFill>
+          <a:blip r:embed="rId3" cstate="print"/>
+          <a:stretch>
+            <a:fillRect/>
+          </a:stretch>
+        </p:blipFill>
+        <p:spPr>
+          <a:xfrm>
+            <a:off x="5364088" y="2708920"/>
+            <a:ext cx="2808312" cy="3196370"/>
+          </a:xfrm>
+        </p:spPr>
+      </p:pic>
     </p:spTree>
   </p:cSld>
   <p:clrMapOvr>
     <a:masterClrMapping/>
   </p:clrMapOvr>
+  <p:timing>
+    <p:tnLst>
+      <p:par>
+        <p:cTn id="1" dur="indefinite" restart="never" nodeType="tmRoot"/>
+      </p:par>
+    </p:tnLst>
+  </p:timing>
+</p:sld>
+</file>
+
+<file path=ppt/slides/slide4.xml><?xml version="1.0" encoding="utf-8"?>
+<p:sld xmlns:a="http://schemas.openxmlformats.org/drawingml/2006/main" xmlns:r="http://schemas.openxmlformats.org/officeDocument/2006/relationships" xmlns:p="http://schemas.openxmlformats.org/presentationml/2006/main">
+  <p:cSld>
+    <p:spTree>
+      <p:nvGrpSpPr>
+        <p:cNvPr id="1" name=""/>
+        <p:cNvGrpSpPr/>
+        <p:nvPr/>
+      </p:nvGrpSpPr>
+      <p:grpSpPr>
+        <a:xfrm>
+          <a:off x="0" y="0"/>
+          <a:ext cx="0" cy="0"/>
+          <a:chOff x="0" y="0"/>
+          <a:chExt cx="0" cy="0"/>
+        </a:xfrm>
+      </p:grpSpPr>
+      <p:sp>
+        <p:nvSpPr>
+          <p:cNvPr id="2" name="Cím 1"/>
+          <p:cNvSpPr>
+            <a:spLocks noGrp="1"/>
+          </p:cNvSpPr>
+          <p:nvPr>
+            <p:ph type="title"/>
+          </p:nvPr>
+        </p:nvSpPr>
+        <p:spPr/>
+        <p:txBody>
+          <a:bodyPr/>
+          <a:lstStyle/>
+          <a:p>
+            <a:r>
+              <a:rPr lang="en-US" dirty="0" smtClean="0"/>
+              <a:t>Computer for dummies</a:t>
+            </a:r>
+            <a:endParaRPr lang="hu-HU" dirty="0"/>
+          </a:p>
+        </p:txBody>
+      </p:sp>
+      <p:sp>
+        <p:nvSpPr>
+          <p:cNvPr id="3" name="Szöveg helye 2"/>
+          <p:cNvSpPr>
+            <a:spLocks noGrp="1"/>
+          </p:cNvSpPr>
+          <p:nvPr>
+            <p:ph type="body" idx="1"/>
+          </p:nvPr>
+        </p:nvSpPr>
+        <p:spPr/>
+        <p:txBody>
+          <a:bodyPr/>
+          <a:lstStyle/>
+          <a:p>
+            <a:pPr algn="ctr"/>
+            <a:r>
+              <a:rPr lang="en-US" dirty="0" smtClean="0"/>
+              <a:t>PC structure</a:t>
+            </a:r>
+            <a:endParaRPr lang="hu-HU" dirty="0"/>
+          </a:p>
+        </p:txBody>
+      </p:sp>
+      <p:sp>
+        <p:nvSpPr>
+          <p:cNvPr id="4" name="Tartalom helye 3"/>
+          <p:cNvSpPr>
+            <a:spLocks noGrp="1"/>
+          </p:cNvSpPr>
+          <p:nvPr>
+            <p:ph sz="half" idx="2"/>
+          </p:nvPr>
+        </p:nvSpPr>
+        <p:spPr/>
+        <p:txBody>
+          <a:bodyPr/>
+          <a:lstStyle/>
+          <a:p>
+            <a:endParaRPr lang="hu-HU"/>
+          </a:p>
+        </p:txBody>
+      </p:sp>
+      <p:sp>
+        <p:nvSpPr>
+          <p:cNvPr id="5" name="Szöveg helye 4"/>
+          <p:cNvSpPr>
+            <a:spLocks noGrp="1"/>
+          </p:cNvSpPr>
+          <p:nvPr>
+            <p:ph type="body" sz="quarter" idx="3"/>
+          </p:nvPr>
+        </p:nvSpPr>
+        <p:spPr/>
+        <p:txBody>
+          <a:bodyPr/>
+          <a:lstStyle/>
+          <a:p>
+            <a:pPr algn="ctr"/>
+            <a:r>
+              <a:rPr lang="en-US" dirty="0" smtClean="0"/>
+              <a:t>Command line</a:t>
+            </a:r>
+            <a:endParaRPr lang="hu-HU" dirty="0"/>
+          </a:p>
+        </p:txBody>
+      </p:sp>
+      <p:sp>
+        <p:nvSpPr>
+          <p:cNvPr id="6" name="Tartalom helye 5"/>
+          <p:cNvSpPr>
+            <a:spLocks noGrp="1"/>
+          </p:cNvSpPr>
+          <p:nvPr>
+            <p:ph sz="quarter" idx="4"/>
+          </p:nvPr>
+        </p:nvSpPr>
+        <p:spPr/>
+        <p:txBody>
+          <a:bodyPr/>
+          <a:lstStyle/>
+          <a:p>
+            <a:endParaRPr lang="hu-HU"/>
+          </a:p>
+        </p:txBody>
+      </p:sp>
+    </p:spTree>
+  </p:cSld>
+  <p:clrMapOvr>
+    <a:masterClrMapping/>
+  </p:clrMapOvr>
+  <p:timing>
+    <p:tnLst>
+      <p:par>
+        <p:cTn id="1" dur="indefinite" restart="never" nodeType="tmRoot"/>
+      </p:par>
+    </p:tnLst>
+  </p:timing>
+</p:sld>
+</file>
+
+<file path=ppt/slides/slide5.xml><?xml version="1.0" encoding="utf-8"?>
+<p:sld xmlns:a="http://schemas.openxmlformats.org/drawingml/2006/main" xmlns:r="http://schemas.openxmlformats.org/officeDocument/2006/relationships" xmlns:p="http://schemas.openxmlformats.org/presentationml/2006/main">
+  <p:cSld>
+    <p:spTree>
+      <p:nvGrpSpPr>
+        <p:cNvPr id="1" name=""/>
+        <p:cNvGrpSpPr/>
+        <p:nvPr/>
+      </p:nvGrpSpPr>
+      <p:grpSpPr>
+        <a:xfrm>
+          <a:off x="0" y="0"/>
+          <a:ext cx="0" cy="0"/>
+          <a:chOff x="0" y="0"/>
+          <a:chExt cx="0" cy="0"/>
+        </a:xfrm>
+      </p:grpSpPr>
+      <p:sp>
+        <p:nvSpPr>
+          <p:cNvPr id="2" name="Cím 1"/>
+          <p:cNvSpPr>
+            <a:spLocks noGrp="1"/>
+          </p:cNvSpPr>
+          <p:nvPr>
+            <p:ph type="title"/>
+          </p:nvPr>
+        </p:nvSpPr>
+        <p:spPr/>
+        <p:txBody>
+          <a:bodyPr/>
+          <a:lstStyle/>
+          <a:p>
+            <a:r>
+              <a:rPr lang="en-US" dirty="0" smtClean="0"/>
+              <a:t>Web developing 2</a:t>
+            </a:r>
+            <a:endParaRPr lang="hu-HU" dirty="0"/>
+          </a:p>
+        </p:txBody>
+      </p:sp>
+      <p:sp>
+        <p:nvSpPr>
+          <p:cNvPr id="3" name="Szöveg helye 2"/>
+          <p:cNvSpPr>
+            <a:spLocks noGrp="1"/>
+          </p:cNvSpPr>
+          <p:nvPr>
+            <p:ph type="body" idx="1"/>
+          </p:nvPr>
+        </p:nvSpPr>
+        <p:spPr/>
+        <p:txBody>
+          <a:bodyPr/>
+          <a:lstStyle/>
+          <a:p>
+            <a:pPr algn="ctr"/>
+            <a:r>
+              <a:rPr lang="en-US" dirty="0" smtClean="0"/>
+              <a:t>atom</a:t>
+            </a:r>
+            <a:endParaRPr lang="hu-HU" dirty="0"/>
+          </a:p>
+        </p:txBody>
+      </p:sp>
+      <p:sp>
+        <p:nvSpPr>
+          <p:cNvPr id="5" name="Szöveg helye 4"/>
+          <p:cNvSpPr>
+            <a:spLocks noGrp="1"/>
+          </p:cNvSpPr>
+          <p:nvPr>
+            <p:ph type="body" sz="quarter" idx="3"/>
+          </p:nvPr>
+        </p:nvSpPr>
+        <p:spPr/>
+        <p:txBody>
+          <a:bodyPr/>
+          <a:lstStyle/>
+          <a:p>
+            <a:pPr algn="ctr"/>
+            <a:r>
+              <a:rPr lang="en-US" dirty="0" err="1" smtClean="0"/>
+              <a:t>imagemagick</a:t>
+            </a:r>
+            <a:endParaRPr lang="hu-HU" dirty="0"/>
+          </a:p>
+        </p:txBody>
+      </p:sp>
+      <p:sp>
+        <p:nvSpPr>
+          <p:cNvPr id="6" name="Tartalom helye 5"/>
+          <p:cNvSpPr>
+            <a:spLocks noGrp="1"/>
+          </p:cNvSpPr>
+          <p:nvPr>
+            <p:ph sz="quarter" idx="4"/>
+          </p:nvPr>
+        </p:nvSpPr>
+        <p:spPr/>
+        <p:txBody>
+          <a:bodyPr/>
+          <a:lstStyle/>
+          <a:p>
+            <a:endParaRPr lang="hu-HU"/>
+          </a:p>
+        </p:txBody>
+      </p:sp>
+      <p:sp>
+        <p:nvSpPr>
+          <p:cNvPr id="8" name="Tartalom helye 7"/>
+          <p:cNvSpPr>
+            <a:spLocks noGrp="1"/>
+          </p:cNvSpPr>
+          <p:nvPr>
+            <p:ph sz="half" idx="2"/>
+          </p:nvPr>
+        </p:nvSpPr>
+        <p:spPr/>
+        <p:txBody>
+          <a:bodyPr/>
+          <a:lstStyle/>
+          <a:p>
+            <a:endParaRPr lang="hu-HU"/>
+          </a:p>
+        </p:txBody>
+      </p:sp>
+    </p:spTree>
+  </p:cSld>
+  <p:clrMapOvr>
+    <a:masterClrMapping/>
+  </p:clrMapOvr>
+  <p:timing>
+    <p:tnLst>
+      <p:par>
+        <p:cTn id="1" dur="indefinite" restart="never" nodeType="tmRoot"/>
+      </p:par>
+    </p:tnLst>
+  </p:timing>
+</p:sld>
+</file>
+
+<file path=ppt/slides/slide6.xml><?xml version="1.0" encoding="utf-8"?>
+<p:sld xmlns:a="http://schemas.openxmlformats.org/drawingml/2006/main" xmlns:r="http://schemas.openxmlformats.org/officeDocument/2006/relationships" xmlns:p="http://schemas.openxmlformats.org/presentationml/2006/main">
+  <p:cSld>
+    <p:spTree>
+      <p:nvGrpSpPr>
+        <p:cNvPr id="1" name=""/>
+        <p:cNvGrpSpPr/>
+        <p:nvPr/>
+      </p:nvGrpSpPr>
+      <p:grpSpPr>
+        <a:xfrm>
+          <a:off x="0" y="0"/>
+          <a:ext cx="0" cy="0"/>
+          <a:chOff x="0" y="0"/>
+          <a:chExt cx="0" cy="0"/>
+        </a:xfrm>
+      </p:grpSpPr>
+      <p:sp>
+        <p:nvSpPr>
+          <p:cNvPr id="7" name="Cím 6"/>
+          <p:cNvSpPr>
+            <a:spLocks noGrp="1"/>
+          </p:cNvSpPr>
+          <p:nvPr>
+            <p:ph type="title"/>
+          </p:nvPr>
+        </p:nvSpPr>
+        <p:spPr/>
+        <p:txBody>
+          <a:bodyPr/>
+          <a:lstStyle/>
+          <a:p>
+            <a:endParaRPr lang="hu-HU"/>
+          </a:p>
+        </p:txBody>
+      </p:sp>
+      <p:sp>
+        <p:nvSpPr>
+          <p:cNvPr id="9" name="Szöveg helye 8"/>
+          <p:cNvSpPr>
+            <a:spLocks noGrp="1"/>
+          </p:cNvSpPr>
+          <p:nvPr>
+            <p:ph type="body" sz="half" idx="2"/>
+          </p:nvPr>
+        </p:nvSpPr>
+        <p:spPr/>
+        <p:txBody>
+          <a:bodyPr/>
+          <a:lstStyle/>
+          <a:p>
+            <a:endParaRPr lang="hu-HU"/>
+          </a:p>
+        </p:txBody>
+      </p:sp>
+      <p:pic>
+        <p:nvPicPr>
+          <p:cNvPr id="1026" name="Picture 2"/>
+          <p:cNvPicPr>
+            <a:picLocks noGrp="1" noChangeAspect="1" noChangeArrowheads="1"/>
+          </p:cNvPicPr>
+          <p:nvPr>
+            <p:ph type="pic" idx="1"/>
+          </p:nvPr>
+        </p:nvPicPr>
+        <p:blipFill>
+          <a:blip r:embed="rId2" cstate="print"/>
+          <a:srcRect l="12518" r="12518"/>
+          <a:stretch>
+            <a:fillRect/>
+          </a:stretch>
+        </p:blipFill>
+        <p:spPr bwMode="auto">
+          <a:xfrm>
+            <a:off x="0" y="0"/>
+            <a:ext cx="9144000" cy="6858000"/>
+          </a:xfrm>
+          <a:prstGeom prst="rect">
+            <a:avLst/>
+          </a:prstGeom>
+          <a:noFill/>
+          <a:ln w="9525">
+            <a:noFill/>
+            <a:miter lim="800000"/>
+            <a:headEnd/>
+            <a:tailEnd/>
+          </a:ln>
+        </p:spPr>
+      </p:pic>
+    </p:spTree>
+  </p:cSld>
+  <p:clrMapOvr>
+    <a:masterClrMapping/>
+  </p:clrMapOvr>
+  <p:timing>
+    <p:tnLst>
+      <p:par>
+        <p:cTn id="1" dur="indefinite" restart="never" nodeType="tmRoot"/>
+      </p:par>
+    </p:tnLst>
+  </p:timing>
 </p:sld>
 </file>
 

--- a/01week/demo/1week.pptx
+++ b/01week/demo/1week.pptx
@@ -4,13 +4,15 @@
   <p:sldMasterIdLst>
     <p:sldMasterId id="2147483648" r:id="rId1"/>
   </p:sldMasterIdLst>
+  <p:notesMasterIdLst>
+    <p:notesMasterId r:id="rId7"/>
+  </p:notesMasterIdLst>
   <p:sldIdLst>
     <p:sldId id="256" r:id="rId2"/>
     <p:sldId id="259" r:id="rId3"/>
     <p:sldId id="257" r:id="rId4"/>
-    <p:sldId id="260" r:id="rId5"/>
-    <p:sldId id="258" r:id="rId6"/>
-    <p:sldId id="261" r:id="rId7"/>
+    <p:sldId id="258" r:id="rId5"/>
+    <p:sldId id="261" r:id="rId6"/>
   </p:sldIdLst>
   <p:sldSz cx="9144000" cy="6858000" type="screen4x3"/>
   <p:notesSz cx="6858000" cy="9144000"/>
@@ -110,6 +112,353 @@
     </a:lvl9pPr>
   </p:defaultTextStyle>
 </p:presentation>
+</file>
+
+<file path=ppt/notesMasters/notesMaster1.xml><?xml version="1.0" encoding="utf-8"?>
+<p:notesMaster xmlns:a="http://schemas.openxmlformats.org/drawingml/2006/main" xmlns:r="http://schemas.openxmlformats.org/officeDocument/2006/relationships" xmlns:p="http://schemas.openxmlformats.org/presentationml/2006/main">
+  <p:cSld>
+    <p:bg>
+      <p:bgRef idx="1001">
+        <a:schemeClr val="bg1"/>
+      </p:bgRef>
+    </p:bg>
+    <p:spTree>
+      <p:nvGrpSpPr>
+        <p:cNvPr id="1" name=""/>
+        <p:cNvGrpSpPr/>
+        <p:nvPr/>
+      </p:nvGrpSpPr>
+      <p:grpSpPr>
+        <a:xfrm>
+          <a:off x="0" y="0"/>
+          <a:ext cx="0" cy="0"/>
+          <a:chOff x="0" y="0"/>
+          <a:chExt cx="0" cy="0"/>
+        </a:xfrm>
+      </p:grpSpPr>
+      <p:sp>
+        <p:nvSpPr>
+          <p:cNvPr id="2" name="Élőfej helye 1"/>
+          <p:cNvSpPr>
+            <a:spLocks noGrp="1"/>
+          </p:cNvSpPr>
+          <p:nvPr>
+            <p:ph type="hdr" sz="quarter"/>
+          </p:nvPr>
+        </p:nvSpPr>
+        <p:spPr>
+          <a:xfrm>
+            <a:off x="0" y="0"/>
+            <a:ext cx="2971800" cy="457200"/>
+          </a:xfrm>
+          <a:prstGeom prst="rect">
+            <a:avLst/>
+          </a:prstGeom>
+        </p:spPr>
+        <p:txBody>
+          <a:bodyPr vert="horz" lIns="91440" tIns="45720" rIns="91440" bIns="45720" rtlCol="0"/>
+          <a:lstStyle>
+            <a:lvl1pPr algn="l">
+              <a:defRPr sz="1200"/>
+            </a:lvl1pPr>
+          </a:lstStyle>
+          <a:p>
+            <a:endParaRPr lang="hu-HU"/>
+          </a:p>
+        </p:txBody>
+      </p:sp>
+      <p:sp>
+        <p:nvSpPr>
+          <p:cNvPr id="3" name="Dátum helye 2"/>
+          <p:cNvSpPr>
+            <a:spLocks noGrp="1"/>
+          </p:cNvSpPr>
+          <p:nvPr>
+            <p:ph type="dt" idx="1"/>
+          </p:nvPr>
+        </p:nvSpPr>
+        <p:spPr>
+          <a:xfrm>
+            <a:off x="3884613" y="0"/>
+            <a:ext cx="2971800" cy="457200"/>
+          </a:xfrm>
+          <a:prstGeom prst="rect">
+            <a:avLst/>
+          </a:prstGeom>
+        </p:spPr>
+        <p:txBody>
+          <a:bodyPr vert="horz" lIns="91440" tIns="45720" rIns="91440" bIns="45720" rtlCol="0"/>
+          <a:lstStyle>
+            <a:lvl1pPr algn="r">
+              <a:defRPr sz="1200"/>
+            </a:lvl1pPr>
+          </a:lstStyle>
+          <a:p>
+            <a:fld id="{F7C2751E-375E-4E6F-AAD7-88F9DF2AE4D4}" type="datetimeFigureOut">
+              <a:rPr lang="hu-HU" smtClean="0"/>
+              <a:t>2016.10.21.</a:t>
+            </a:fld>
+            <a:endParaRPr lang="hu-HU"/>
+          </a:p>
+        </p:txBody>
+      </p:sp>
+      <p:sp>
+        <p:nvSpPr>
+          <p:cNvPr id="4" name="Diakép helye 3"/>
+          <p:cNvSpPr>
+            <a:spLocks noGrp="1" noRot="1" noChangeAspect="1"/>
+          </p:cNvSpPr>
+          <p:nvPr>
+            <p:ph type="sldImg" idx="2"/>
+          </p:nvPr>
+        </p:nvSpPr>
+        <p:spPr>
+          <a:xfrm>
+            <a:off x="1143000" y="685800"/>
+            <a:ext cx="4572000" cy="3429000"/>
+          </a:xfrm>
+          <a:prstGeom prst="rect">
+            <a:avLst/>
+          </a:prstGeom>
+          <a:noFill/>
+          <a:ln w="12700">
+            <a:solidFill>
+              <a:prstClr val="black"/>
+            </a:solidFill>
+          </a:ln>
+        </p:spPr>
+        <p:txBody>
+          <a:bodyPr vert="horz" lIns="91440" tIns="45720" rIns="91440" bIns="45720" rtlCol="0" anchor="ctr"/>
+          <a:lstStyle/>
+          <a:p>
+            <a:endParaRPr lang="hu-HU"/>
+          </a:p>
+        </p:txBody>
+      </p:sp>
+      <p:sp>
+        <p:nvSpPr>
+          <p:cNvPr id="5" name="Jegyzetek helye 4"/>
+          <p:cNvSpPr>
+            <a:spLocks noGrp="1"/>
+          </p:cNvSpPr>
+          <p:nvPr>
+            <p:ph type="body" sz="quarter" idx="3"/>
+          </p:nvPr>
+        </p:nvSpPr>
+        <p:spPr>
+          <a:xfrm>
+            <a:off x="685800" y="4343400"/>
+            <a:ext cx="5486400" cy="4114800"/>
+          </a:xfrm>
+          <a:prstGeom prst="rect">
+            <a:avLst/>
+          </a:prstGeom>
+        </p:spPr>
+        <p:txBody>
+          <a:bodyPr vert="horz" lIns="91440" tIns="45720" rIns="91440" bIns="45720" rtlCol="0">
+            <a:normAutofit/>
+          </a:bodyPr>
+          <a:lstStyle/>
+          <a:p>
+            <a:pPr lvl="0"/>
+            <a:r>
+              <a:rPr lang="hu-HU" smtClean="0"/>
+              <a:t>Mintaszöveg szerkesztése</a:t>
+            </a:r>
+          </a:p>
+          <a:p>
+            <a:pPr lvl="1"/>
+            <a:r>
+              <a:rPr lang="hu-HU" smtClean="0"/>
+              <a:t>Második szint</a:t>
+            </a:r>
+          </a:p>
+          <a:p>
+            <a:pPr lvl="2"/>
+            <a:r>
+              <a:rPr lang="hu-HU" smtClean="0"/>
+              <a:t>Harmadik szint</a:t>
+            </a:r>
+          </a:p>
+          <a:p>
+            <a:pPr lvl="3"/>
+            <a:r>
+              <a:rPr lang="hu-HU" smtClean="0"/>
+              <a:t>Negyedik szint</a:t>
+            </a:r>
+          </a:p>
+          <a:p>
+            <a:pPr lvl="4"/>
+            <a:r>
+              <a:rPr lang="hu-HU" smtClean="0"/>
+              <a:t>Ötödik szint</a:t>
+            </a:r>
+            <a:endParaRPr lang="hu-HU"/>
+          </a:p>
+        </p:txBody>
+      </p:sp>
+      <p:sp>
+        <p:nvSpPr>
+          <p:cNvPr id="6" name="Élőláb helye 5"/>
+          <p:cNvSpPr>
+            <a:spLocks noGrp="1"/>
+          </p:cNvSpPr>
+          <p:nvPr>
+            <p:ph type="ftr" sz="quarter" idx="4"/>
+          </p:nvPr>
+        </p:nvSpPr>
+        <p:spPr>
+          <a:xfrm>
+            <a:off x="0" y="8685213"/>
+            <a:ext cx="2971800" cy="457200"/>
+          </a:xfrm>
+          <a:prstGeom prst="rect">
+            <a:avLst/>
+          </a:prstGeom>
+        </p:spPr>
+        <p:txBody>
+          <a:bodyPr vert="horz" lIns="91440" tIns="45720" rIns="91440" bIns="45720" rtlCol="0" anchor="b"/>
+          <a:lstStyle>
+            <a:lvl1pPr algn="l">
+              <a:defRPr sz="1200"/>
+            </a:lvl1pPr>
+          </a:lstStyle>
+          <a:p>
+            <a:endParaRPr lang="hu-HU"/>
+          </a:p>
+        </p:txBody>
+      </p:sp>
+      <p:sp>
+        <p:nvSpPr>
+          <p:cNvPr id="7" name="Dia számának helye 6"/>
+          <p:cNvSpPr>
+            <a:spLocks noGrp="1"/>
+          </p:cNvSpPr>
+          <p:nvPr>
+            <p:ph type="sldNum" sz="quarter" idx="5"/>
+          </p:nvPr>
+        </p:nvSpPr>
+        <p:spPr>
+          <a:xfrm>
+            <a:off x="3884613" y="8685213"/>
+            <a:ext cx="2971800" cy="457200"/>
+          </a:xfrm>
+          <a:prstGeom prst="rect">
+            <a:avLst/>
+          </a:prstGeom>
+        </p:spPr>
+        <p:txBody>
+          <a:bodyPr vert="horz" lIns="91440" tIns="45720" rIns="91440" bIns="45720" rtlCol="0" anchor="b"/>
+          <a:lstStyle>
+            <a:lvl1pPr algn="r">
+              <a:defRPr sz="1200"/>
+            </a:lvl1pPr>
+          </a:lstStyle>
+          <a:p>
+            <a:fld id="{6CFFAF55-9BB0-494E-8DEE-C275A57CE77C}" type="slidenum">
+              <a:rPr lang="hu-HU" smtClean="0"/>
+              <a:t>‹#›</a:t>
+            </a:fld>
+            <a:endParaRPr lang="hu-HU"/>
+          </a:p>
+        </p:txBody>
+      </p:sp>
+    </p:spTree>
+  </p:cSld>
+  <p:clrMap bg1="lt1" tx1="dk1" bg2="lt2" tx2="dk2" accent1="accent1" accent2="accent2" accent3="accent3" accent4="accent4" accent5="accent5" accent6="accent6" hlink="hlink" folHlink="folHlink"/>
+  <p:notesStyle>
+    <a:lvl1pPr marL="0" algn="l" defTabSz="914400" rtl="0" eaLnBrk="1" latinLnBrk="0" hangingPunct="1">
+      <a:defRPr sz="1200" kern="1200">
+        <a:solidFill>
+          <a:schemeClr val="tx1"/>
+        </a:solidFill>
+        <a:latin typeface="+mn-lt"/>
+        <a:ea typeface="+mn-ea"/>
+        <a:cs typeface="+mn-cs"/>
+      </a:defRPr>
+    </a:lvl1pPr>
+    <a:lvl2pPr marL="457200" algn="l" defTabSz="914400" rtl="0" eaLnBrk="1" latinLnBrk="0" hangingPunct="1">
+      <a:defRPr sz="1200" kern="1200">
+        <a:solidFill>
+          <a:schemeClr val="tx1"/>
+        </a:solidFill>
+        <a:latin typeface="+mn-lt"/>
+        <a:ea typeface="+mn-ea"/>
+        <a:cs typeface="+mn-cs"/>
+      </a:defRPr>
+    </a:lvl2pPr>
+    <a:lvl3pPr marL="914400" algn="l" defTabSz="914400" rtl="0" eaLnBrk="1" latinLnBrk="0" hangingPunct="1">
+      <a:defRPr sz="1200" kern="1200">
+        <a:solidFill>
+          <a:schemeClr val="tx1"/>
+        </a:solidFill>
+        <a:latin typeface="+mn-lt"/>
+        <a:ea typeface="+mn-ea"/>
+        <a:cs typeface="+mn-cs"/>
+      </a:defRPr>
+    </a:lvl3pPr>
+    <a:lvl4pPr marL="1371600" algn="l" defTabSz="914400" rtl="0" eaLnBrk="1" latinLnBrk="0" hangingPunct="1">
+      <a:defRPr sz="1200" kern="1200">
+        <a:solidFill>
+          <a:schemeClr val="tx1"/>
+        </a:solidFill>
+        <a:latin typeface="+mn-lt"/>
+        <a:ea typeface="+mn-ea"/>
+        <a:cs typeface="+mn-cs"/>
+      </a:defRPr>
+    </a:lvl4pPr>
+    <a:lvl5pPr marL="1828800" algn="l" defTabSz="914400" rtl="0" eaLnBrk="1" latinLnBrk="0" hangingPunct="1">
+      <a:defRPr sz="1200" kern="1200">
+        <a:solidFill>
+          <a:schemeClr val="tx1"/>
+        </a:solidFill>
+        <a:latin typeface="+mn-lt"/>
+        <a:ea typeface="+mn-ea"/>
+        <a:cs typeface="+mn-cs"/>
+      </a:defRPr>
+    </a:lvl5pPr>
+    <a:lvl6pPr marL="2286000" algn="l" defTabSz="914400" rtl="0" eaLnBrk="1" latinLnBrk="0" hangingPunct="1">
+      <a:defRPr sz="1200" kern="1200">
+        <a:solidFill>
+          <a:schemeClr val="tx1"/>
+        </a:solidFill>
+        <a:latin typeface="+mn-lt"/>
+        <a:ea typeface="+mn-ea"/>
+        <a:cs typeface="+mn-cs"/>
+      </a:defRPr>
+    </a:lvl6pPr>
+    <a:lvl7pPr marL="2743200" algn="l" defTabSz="914400" rtl="0" eaLnBrk="1" latinLnBrk="0" hangingPunct="1">
+      <a:defRPr sz="1200" kern="1200">
+        <a:solidFill>
+          <a:schemeClr val="tx1"/>
+        </a:solidFill>
+        <a:latin typeface="+mn-lt"/>
+        <a:ea typeface="+mn-ea"/>
+        <a:cs typeface="+mn-cs"/>
+      </a:defRPr>
+    </a:lvl7pPr>
+    <a:lvl8pPr marL="3200400" algn="l" defTabSz="914400" rtl="0" eaLnBrk="1" latinLnBrk="0" hangingPunct="1">
+      <a:defRPr sz="1200" kern="1200">
+        <a:solidFill>
+          <a:schemeClr val="tx1"/>
+        </a:solidFill>
+        <a:latin typeface="+mn-lt"/>
+        <a:ea typeface="+mn-ea"/>
+        <a:cs typeface="+mn-cs"/>
+      </a:defRPr>
+    </a:lvl8pPr>
+    <a:lvl9pPr marL="3657600" algn="l" defTabSz="914400" rtl="0" eaLnBrk="1" latinLnBrk="0" hangingPunct="1">
+      <a:defRPr sz="1200" kern="1200">
+        <a:solidFill>
+          <a:schemeClr val="tx1"/>
+        </a:solidFill>
+        <a:latin typeface="+mn-lt"/>
+        <a:ea typeface="+mn-ea"/>
+        <a:cs typeface="+mn-cs"/>
+      </a:defRPr>
+    </a:lvl9pPr>
+  </p:notesStyle>
+</p:notesMaster>
 </file>
 
 <file path=ppt/slideLayouts/slideLayout1.xml><?xml version="1.0" encoding="utf-8"?>
@@ -3403,7 +3752,7 @@
           <a:p>
             <a:r>
               <a:rPr lang="en-US" dirty="0" smtClean="0"/>
-              <a:t>Computer for dummies</a:t>
+              <a:t>Web developing 2</a:t>
             </a:r>
             <a:endParaRPr lang="hu-HU" dirty="0"/>
           </a:p>
@@ -3427,7 +3776,7 @@
             <a:pPr algn="ctr"/>
             <a:r>
               <a:rPr lang="en-US" dirty="0" smtClean="0"/>
-              <a:t>PC structure</a:t>
+              <a:t>atom</a:t>
             </a:r>
             <a:endParaRPr lang="hu-HU" dirty="0"/>
           </a:p>
@@ -3435,55 +3784,55 @@
       </p:sp>
       <p:sp>
         <p:nvSpPr>
-          <p:cNvPr id="4" name="Tartalom helye 3"/>
+          <p:cNvPr id="5" name="Szöveg helye 4"/>
+          <p:cNvSpPr>
+            <a:spLocks noGrp="1"/>
+          </p:cNvSpPr>
+          <p:nvPr>
+            <p:ph type="body" sz="quarter" idx="3"/>
+          </p:nvPr>
+        </p:nvSpPr>
+        <p:spPr/>
+        <p:txBody>
+          <a:bodyPr/>
+          <a:lstStyle/>
+          <a:p>
+            <a:pPr algn="ctr"/>
+            <a:r>
+              <a:rPr lang="en-US" dirty="0" err="1" smtClean="0"/>
+              <a:t>imagemagick</a:t>
+            </a:r>
+            <a:endParaRPr lang="hu-HU" dirty="0"/>
+          </a:p>
+        </p:txBody>
+      </p:sp>
+      <p:sp>
+        <p:nvSpPr>
+          <p:cNvPr id="6" name="Tartalom helye 5"/>
+          <p:cNvSpPr>
+            <a:spLocks noGrp="1"/>
+          </p:cNvSpPr>
+          <p:nvPr>
+            <p:ph sz="quarter" idx="4"/>
+          </p:nvPr>
+        </p:nvSpPr>
+        <p:spPr/>
+        <p:txBody>
+          <a:bodyPr/>
+          <a:lstStyle/>
+          <a:p>
+            <a:endParaRPr lang="hu-HU"/>
+          </a:p>
+        </p:txBody>
+      </p:sp>
+      <p:sp>
+        <p:nvSpPr>
+          <p:cNvPr id="8" name="Tartalom helye 7"/>
           <p:cNvSpPr>
             <a:spLocks noGrp="1"/>
           </p:cNvSpPr>
           <p:nvPr>
             <p:ph sz="half" idx="2"/>
-          </p:nvPr>
-        </p:nvSpPr>
-        <p:spPr/>
-        <p:txBody>
-          <a:bodyPr/>
-          <a:lstStyle/>
-          <a:p>
-            <a:endParaRPr lang="hu-HU"/>
-          </a:p>
-        </p:txBody>
-      </p:sp>
-      <p:sp>
-        <p:nvSpPr>
-          <p:cNvPr id="5" name="Szöveg helye 4"/>
-          <p:cNvSpPr>
-            <a:spLocks noGrp="1"/>
-          </p:cNvSpPr>
-          <p:nvPr>
-            <p:ph type="body" sz="quarter" idx="3"/>
-          </p:nvPr>
-        </p:nvSpPr>
-        <p:spPr/>
-        <p:txBody>
-          <a:bodyPr/>
-          <a:lstStyle/>
-          <a:p>
-            <a:pPr algn="ctr"/>
-            <a:r>
-              <a:rPr lang="en-US" dirty="0" smtClean="0"/>
-              <a:t>Command line</a:t>
-            </a:r>
-            <a:endParaRPr lang="hu-HU" dirty="0"/>
-          </a:p>
-        </p:txBody>
-      </p:sp>
-      <p:sp>
-        <p:nvSpPr>
-          <p:cNvPr id="6" name="Tartalom helye 5"/>
-          <p:cNvSpPr>
-            <a:spLocks noGrp="1"/>
-          </p:cNvSpPr>
-          <p:nvPr>
-            <p:ph sz="quarter" idx="4"/>
           </p:nvPr>
         </p:nvSpPr>
         <p:spPr/>
@@ -3511,147 +3860,6 @@
 </file>
 
 <file path=ppt/slides/slide5.xml><?xml version="1.0" encoding="utf-8"?>
-<p:sld xmlns:a="http://schemas.openxmlformats.org/drawingml/2006/main" xmlns:r="http://schemas.openxmlformats.org/officeDocument/2006/relationships" xmlns:p="http://schemas.openxmlformats.org/presentationml/2006/main">
-  <p:cSld>
-    <p:spTree>
-      <p:nvGrpSpPr>
-        <p:cNvPr id="1" name=""/>
-        <p:cNvGrpSpPr/>
-        <p:nvPr/>
-      </p:nvGrpSpPr>
-      <p:grpSpPr>
-        <a:xfrm>
-          <a:off x="0" y="0"/>
-          <a:ext cx="0" cy="0"/>
-          <a:chOff x="0" y="0"/>
-          <a:chExt cx="0" cy="0"/>
-        </a:xfrm>
-      </p:grpSpPr>
-      <p:sp>
-        <p:nvSpPr>
-          <p:cNvPr id="2" name="Cím 1"/>
-          <p:cNvSpPr>
-            <a:spLocks noGrp="1"/>
-          </p:cNvSpPr>
-          <p:nvPr>
-            <p:ph type="title"/>
-          </p:nvPr>
-        </p:nvSpPr>
-        <p:spPr/>
-        <p:txBody>
-          <a:bodyPr/>
-          <a:lstStyle/>
-          <a:p>
-            <a:r>
-              <a:rPr lang="en-US" dirty="0" smtClean="0"/>
-              <a:t>Web developing 2</a:t>
-            </a:r>
-            <a:endParaRPr lang="hu-HU" dirty="0"/>
-          </a:p>
-        </p:txBody>
-      </p:sp>
-      <p:sp>
-        <p:nvSpPr>
-          <p:cNvPr id="3" name="Szöveg helye 2"/>
-          <p:cNvSpPr>
-            <a:spLocks noGrp="1"/>
-          </p:cNvSpPr>
-          <p:nvPr>
-            <p:ph type="body" idx="1"/>
-          </p:nvPr>
-        </p:nvSpPr>
-        <p:spPr/>
-        <p:txBody>
-          <a:bodyPr/>
-          <a:lstStyle/>
-          <a:p>
-            <a:pPr algn="ctr"/>
-            <a:r>
-              <a:rPr lang="en-US" dirty="0" smtClean="0"/>
-              <a:t>atom</a:t>
-            </a:r>
-            <a:endParaRPr lang="hu-HU" dirty="0"/>
-          </a:p>
-        </p:txBody>
-      </p:sp>
-      <p:sp>
-        <p:nvSpPr>
-          <p:cNvPr id="5" name="Szöveg helye 4"/>
-          <p:cNvSpPr>
-            <a:spLocks noGrp="1"/>
-          </p:cNvSpPr>
-          <p:nvPr>
-            <p:ph type="body" sz="quarter" idx="3"/>
-          </p:nvPr>
-        </p:nvSpPr>
-        <p:spPr/>
-        <p:txBody>
-          <a:bodyPr/>
-          <a:lstStyle/>
-          <a:p>
-            <a:pPr algn="ctr"/>
-            <a:r>
-              <a:rPr lang="en-US" dirty="0" err="1" smtClean="0"/>
-              <a:t>imagemagick</a:t>
-            </a:r>
-            <a:endParaRPr lang="hu-HU" dirty="0"/>
-          </a:p>
-        </p:txBody>
-      </p:sp>
-      <p:sp>
-        <p:nvSpPr>
-          <p:cNvPr id="6" name="Tartalom helye 5"/>
-          <p:cNvSpPr>
-            <a:spLocks noGrp="1"/>
-          </p:cNvSpPr>
-          <p:nvPr>
-            <p:ph sz="quarter" idx="4"/>
-          </p:nvPr>
-        </p:nvSpPr>
-        <p:spPr/>
-        <p:txBody>
-          <a:bodyPr/>
-          <a:lstStyle/>
-          <a:p>
-            <a:endParaRPr lang="hu-HU"/>
-          </a:p>
-        </p:txBody>
-      </p:sp>
-      <p:sp>
-        <p:nvSpPr>
-          <p:cNvPr id="8" name="Tartalom helye 7"/>
-          <p:cNvSpPr>
-            <a:spLocks noGrp="1"/>
-          </p:cNvSpPr>
-          <p:nvPr>
-            <p:ph sz="half" idx="2"/>
-          </p:nvPr>
-        </p:nvSpPr>
-        <p:spPr/>
-        <p:txBody>
-          <a:bodyPr/>
-          <a:lstStyle/>
-          <a:p>
-            <a:endParaRPr lang="hu-HU"/>
-          </a:p>
-        </p:txBody>
-      </p:sp>
-    </p:spTree>
-  </p:cSld>
-  <p:clrMapOvr>
-    <a:masterClrMapping/>
-  </p:clrMapOvr>
-  <p:timing>
-    <p:tnLst>
-      <p:par>
-        <p:cTn id="1" dur="indefinite" restart="never" nodeType="tmRoot"/>
-      </p:par>
-    </p:tnLst>
-  </p:timing>
-</p:sld>
-</file>
-
-<file path=ppt/slides/slide6.xml><?xml version="1.0" encoding="utf-8"?>
 <p:sld xmlns:a="http://schemas.openxmlformats.org/drawingml/2006/main" xmlns:r="http://schemas.openxmlformats.org/officeDocument/2006/relationships" xmlns:p="http://schemas.openxmlformats.org/presentationml/2006/main">
   <p:cSld>
     <p:spTree>
@@ -4036,4 +4244,287 @@
   <a:objectDefaults/>
   <a:extraClrSchemeLst/>
 </a:theme>
+</file>
+
+<file path=ppt/theme/theme2.xml><?xml version="1.0" encoding="utf-8"?>
+<a:theme xmlns:a="http://schemas.openxmlformats.org/drawingml/2006/main" name="Office-téma">
+  <a:themeElements>
+    <a:clrScheme name="Office">
+      <a:dk1>
+        <a:sysClr val="windowText" lastClr="000000"/>
+      </a:dk1>
+      <a:lt1>
+        <a:sysClr val="window" lastClr="FFFFFF"/>
+      </a:lt1>
+      <a:dk2>
+        <a:srgbClr val="1F497D"/>
+      </a:dk2>
+      <a:lt2>
+        <a:srgbClr val="EEECE1"/>
+      </a:lt2>
+      <a:accent1>
+        <a:srgbClr val="4F81BD"/>
+      </a:accent1>
+      <a:accent2>
+        <a:srgbClr val="C0504D"/>
+      </a:accent2>
+      <a:accent3>
+        <a:srgbClr val="9BBB59"/>
+      </a:accent3>
+      <a:accent4>
+        <a:srgbClr val="8064A2"/>
+      </a:accent4>
+      <a:accent5>
+        <a:srgbClr val="4BACC6"/>
+      </a:accent5>
+      <a:accent6>
+        <a:srgbClr val="F79646"/>
+      </a:accent6>
+      <a:hlink>
+        <a:srgbClr val="0000FF"/>
+      </a:hlink>
+      <a:folHlink>
+        <a:srgbClr val="800080"/>
+      </a:folHlink>
+    </a:clrScheme>
+    <a:fontScheme name="Office">
+      <a:majorFont>
+        <a:latin typeface="Calibri"/>
+        <a:ea typeface=""/>
+        <a:cs typeface=""/>
+        <a:font script="Jpan" typeface="ＭＳ Ｐゴシック"/>
+        <a:font script="Hang" typeface="맑은 고딕"/>
+        <a:font script="Hans" typeface="宋体"/>
+        <a:font script="Hant" typeface="新細明體"/>
+        <a:font script="Arab" typeface="Times New Roman"/>
+        <a:font script="Hebr" typeface="Times New Roman"/>
+        <a:font script="Thai" typeface="Angsana New"/>
+        <a:font script="Ethi" typeface="Nyala"/>
+        <a:font script="Beng" typeface="Vrinda"/>
+        <a:font script="Gujr" typeface="Shruti"/>
+        <a:font script="Khmr" typeface="MoolBoran"/>
+        <a:font script="Knda" typeface="Tunga"/>
+        <a:font script="Guru" typeface="Raavi"/>
+        <a:font script="Cans" typeface="Euphemia"/>
+        <a:font script="Cher" typeface="Plantagenet Cherokee"/>
+        <a:font script="Yiii" typeface="Microsoft Yi Baiti"/>
+        <a:font script="Tibt" typeface="Microsoft Himalaya"/>
+        <a:font script="Thaa" typeface="MV Boli"/>
+        <a:font script="Deva" typeface="Mangal"/>
+        <a:font script="Telu" typeface="Gautami"/>
+        <a:font script="Taml" typeface="Latha"/>
+        <a:font script="Syrc" typeface="Estrangelo Edessa"/>
+        <a:font script="Orya" typeface="Kalinga"/>
+        <a:font script="Mlym" typeface="Kartika"/>
+        <a:font script="Laoo" typeface="DokChampa"/>
+        <a:font script="Sinh" typeface="Iskoola Pota"/>
+        <a:font script="Mong" typeface="Mongolian Baiti"/>
+        <a:font script="Viet" typeface="Times New Roman"/>
+        <a:font script="Uigh" typeface="Microsoft Uighur"/>
+      </a:majorFont>
+      <a:minorFont>
+        <a:latin typeface="Calibri"/>
+        <a:ea typeface=""/>
+        <a:cs typeface=""/>
+        <a:font script="Jpan" typeface="ＭＳ Ｐゴシック"/>
+        <a:font script="Hang" typeface="맑은 고딕"/>
+        <a:font script="Hans" typeface="宋体"/>
+        <a:font script="Hant" typeface="新細明體"/>
+        <a:font script="Arab" typeface="Arial"/>
+        <a:font script="Hebr" typeface="Arial"/>
+        <a:font script="Thai" typeface="Cordia New"/>
+        <a:font script="Ethi" typeface="Nyala"/>
+        <a:font script="Beng" typeface="Vrinda"/>
+        <a:font script="Gujr" typeface="Shruti"/>
+        <a:font script="Khmr" typeface="DaunPenh"/>
+        <a:font script="Knda" typeface="Tunga"/>
+        <a:font script="Guru" typeface="Raavi"/>
+        <a:font script="Cans" typeface="Euphemia"/>
+        <a:font script="Cher" typeface="Plantagenet Cherokee"/>
+        <a:font script="Yiii" typeface="Microsoft Yi Baiti"/>
+        <a:font script="Tibt" typeface="Microsoft Himalaya"/>
+        <a:font script="Thaa" typeface="MV Boli"/>
+        <a:font script="Deva" typeface="Mangal"/>
+        <a:font script="Telu" typeface="Gautami"/>
+        <a:font script="Taml" typeface="Latha"/>
+        <a:font script="Syrc" typeface="Estrangelo Edessa"/>
+        <a:font script="Orya" typeface="Kalinga"/>
+        <a:font script="Mlym" typeface="Kartika"/>
+        <a:font script="Laoo" typeface="DokChampa"/>
+        <a:font script="Sinh" typeface="Iskoola Pota"/>
+        <a:font script="Mong" typeface="Mongolian Baiti"/>
+        <a:font script="Viet" typeface="Arial"/>
+        <a:font script="Uigh" typeface="Microsoft Uighur"/>
+      </a:minorFont>
+    </a:fontScheme>
+    <a:fmtScheme name="Office">
+      <a:fillStyleLst>
+        <a:solidFill>
+          <a:schemeClr val="phClr"/>
+        </a:solidFill>
+        <a:gradFill rotWithShape="1">
+          <a:gsLst>
+            <a:gs pos="0">
+              <a:schemeClr val="phClr">
+                <a:tint val="50000"/>
+                <a:satMod val="300000"/>
+              </a:schemeClr>
+            </a:gs>
+            <a:gs pos="35000">
+              <a:schemeClr val="phClr">
+                <a:tint val="37000"/>
+                <a:satMod val="300000"/>
+              </a:schemeClr>
+            </a:gs>
+            <a:gs pos="100000">
+              <a:schemeClr val="phClr">
+                <a:tint val="15000"/>
+                <a:satMod val="350000"/>
+              </a:schemeClr>
+            </a:gs>
+          </a:gsLst>
+          <a:lin ang="16200000" scaled="1"/>
+        </a:gradFill>
+        <a:gradFill rotWithShape="1">
+          <a:gsLst>
+            <a:gs pos="0">
+              <a:schemeClr val="phClr">
+                <a:shade val="51000"/>
+                <a:satMod val="130000"/>
+              </a:schemeClr>
+            </a:gs>
+            <a:gs pos="80000">
+              <a:schemeClr val="phClr">
+                <a:shade val="93000"/>
+                <a:satMod val="130000"/>
+              </a:schemeClr>
+            </a:gs>
+            <a:gs pos="100000">
+              <a:schemeClr val="phClr">
+                <a:shade val="94000"/>
+                <a:satMod val="135000"/>
+              </a:schemeClr>
+            </a:gs>
+          </a:gsLst>
+          <a:lin ang="16200000" scaled="0"/>
+        </a:gradFill>
+      </a:fillStyleLst>
+      <a:lnStyleLst>
+        <a:ln w="9525" cap="flat" cmpd="sng" algn="ctr">
+          <a:solidFill>
+            <a:schemeClr val="phClr">
+              <a:shade val="95000"/>
+              <a:satMod val="105000"/>
+            </a:schemeClr>
+          </a:solidFill>
+          <a:prstDash val="solid"/>
+        </a:ln>
+        <a:ln w="25400" cap="flat" cmpd="sng" algn="ctr">
+          <a:solidFill>
+            <a:schemeClr val="phClr"/>
+          </a:solidFill>
+          <a:prstDash val="solid"/>
+        </a:ln>
+        <a:ln w="38100" cap="flat" cmpd="sng" algn="ctr">
+          <a:solidFill>
+            <a:schemeClr val="phClr"/>
+          </a:solidFill>
+          <a:prstDash val="solid"/>
+        </a:ln>
+      </a:lnStyleLst>
+      <a:effectStyleLst>
+        <a:effectStyle>
+          <a:effectLst>
+            <a:outerShdw blurRad="40000" dist="20000" dir="5400000" rotWithShape="0">
+              <a:srgbClr val="000000">
+                <a:alpha val="38000"/>
+              </a:srgbClr>
+            </a:outerShdw>
+          </a:effectLst>
+        </a:effectStyle>
+        <a:effectStyle>
+          <a:effectLst>
+            <a:outerShdw blurRad="40000" dist="23000" dir="5400000" rotWithShape="0">
+              <a:srgbClr val="000000">
+                <a:alpha val="35000"/>
+              </a:srgbClr>
+            </a:outerShdw>
+          </a:effectLst>
+        </a:effectStyle>
+        <a:effectStyle>
+          <a:effectLst>
+            <a:outerShdw blurRad="40000" dist="23000" dir="5400000" rotWithShape="0">
+              <a:srgbClr val="000000">
+                <a:alpha val="35000"/>
+              </a:srgbClr>
+            </a:outerShdw>
+          </a:effectLst>
+          <a:scene3d>
+            <a:camera prst="orthographicFront">
+              <a:rot lat="0" lon="0" rev="0"/>
+            </a:camera>
+            <a:lightRig rig="threePt" dir="t">
+              <a:rot lat="0" lon="0" rev="1200000"/>
+            </a:lightRig>
+          </a:scene3d>
+          <a:sp3d>
+            <a:bevelT w="63500" h="25400"/>
+          </a:sp3d>
+        </a:effectStyle>
+      </a:effectStyleLst>
+      <a:bgFillStyleLst>
+        <a:solidFill>
+          <a:schemeClr val="phClr"/>
+        </a:solidFill>
+        <a:gradFill rotWithShape="1">
+          <a:gsLst>
+            <a:gs pos="0">
+              <a:schemeClr val="phClr">
+                <a:tint val="40000"/>
+                <a:satMod val="350000"/>
+              </a:schemeClr>
+            </a:gs>
+            <a:gs pos="40000">
+              <a:schemeClr val="phClr">
+                <a:tint val="45000"/>
+                <a:shade val="99000"/>
+                <a:satMod val="350000"/>
+              </a:schemeClr>
+            </a:gs>
+            <a:gs pos="100000">
+              <a:schemeClr val="phClr">
+                <a:shade val="20000"/>
+                <a:satMod val="255000"/>
+              </a:schemeClr>
+            </a:gs>
+          </a:gsLst>
+          <a:path path="circle">
+            <a:fillToRect l="50000" t="-80000" r="50000" b="180000"/>
+          </a:path>
+        </a:gradFill>
+        <a:gradFill rotWithShape="1">
+          <a:gsLst>
+            <a:gs pos="0">
+              <a:schemeClr val="phClr">
+                <a:tint val="80000"/>
+                <a:satMod val="300000"/>
+              </a:schemeClr>
+            </a:gs>
+            <a:gs pos="100000">
+              <a:schemeClr val="phClr">
+                <a:shade val="30000"/>
+                <a:satMod val="200000"/>
+              </a:schemeClr>
+            </a:gs>
+          </a:gsLst>
+          <a:path path="circle">
+            <a:fillToRect l="50000" t="50000" r="50000" b="50000"/>
+          </a:path>
+        </a:gradFill>
+      </a:bgFillStyleLst>
+    </a:fmtScheme>
+  </a:themeElements>
+  <a:objectDefaults/>
+  <a:extraClrSchemeLst/>
+</a:theme>
 </file>
--- a/01week/demo/1week.pptx
+++ b/01week/demo/1week.pptx
@@ -5,7 +5,7 @@
     <p:sldMasterId id="2147483648" r:id="rId1"/>
   </p:sldMasterIdLst>
   <p:notesMasterIdLst>
-    <p:notesMasterId r:id="rId7"/>
+    <p:notesMasterId r:id="rId8"/>
   </p:notesMasterIdLst>
   <p:sldIdLst>
     <p:sldId id="256" r:id="rId2"/>
@@ -13,6 +13,7 @@
     <p:sldId id="257" r:id="rId4"/>
     <p:sldId id="258" r:id="rId5"/>
     <p:sldId id="261" r:id="rId6"/>
+    <p:sldId id="262" r:id="rId7"/>
   </p:sldIdLst>
   <p:sldSz cx="9144000" cy="6858000" type="screen4x3"/>
   <p:notesSz cx="6858000" cy="9144000"/>
@@ -196,6 +197,7 @@
           <a:p>
             <a:fld id="{F7C2751E-375E-4E6F-AAD7-88F9DF2AE4D4}" type="datetimeFigureOut">
               <a:rPr lang="hu-HU" smtClean="0"/>
+              <a:pPr/>
               <a:t>2016.10.21.</a:t>
             </a:fld>
             <a:endParaRPr lang="hu-HU"/>
@@ -357,6 +359,7 @@
           <a:p>
             <a:fld id="{6CFFAF55-9BB0-494E-8DEE-C275A57CE77C}" type="slidenum">
               <a:rPr lang="hu-HU" smtClean="0"/>
+              <a:pPr/>
               <a:t>‹#›</a:t>
             </a:fld>
             <a:endParaRPr lang="hu-HU"/>
@@ -3596,7 +3599,12 @@
             <p:ph type="title"/>
           </p:nvPr>
         </p:nvSpPr>
-        <p:spPr/>
+        <p:spPr>
+          <a:xfrm>
+            <a:off x="1475656" y="0"/>
+            <a:ext cx="6491064" cy="1066130"/>
+          </a:xfrm>
+        </p:spPr>
         <p:txBody>
           <a:bodyPr/>
           <a:lstStyle/>
@@ -3619,7 +3627,12 @@
             <p:ph type="body" idx="1"/>
           </p:nvPr>
         </p:nvSpPr>
-        <p:spPr/>
+        <p:spPr>
+          <a:xfrm>
+            <a:off x="1187624" y="692696"/>
+            <a:ext cx="4040188" cy="639762"/>
+          </a:xfrm>
+        </p:spPr>
         <p:txBody>
           <a:bodyPr/>
           <a:lstStyle/>
@@ -3633,11 +3646,59 @@
           </a:p>
         </p:txBody>
       </p:sp>
+      <p:sp>
+        <p:nvSpPr>
+          <p:cNvPr id="8" name="Szöveg helye 7"/>
+          <p:cNvSpPr>
+            <a:spLocks noGrp="1"/>
+          </p:cNvSpPr>
+          <p:nvPr>
+            <p:ph type="body" sz="quarter" idx="3"/>
+          </p:nvPr>
+        </p:nvSpPr>
+        <p:spPr>
+          <a:xfrm>
+            <a:off x="5102225" y="548680"/>
+            <a:ext cx="4041775" cy="639762"/>
+          </a:xfrm>
+        </p:spPr>
+        <p:txBody>
+          <a:bodyPr/>
+          <a:lstStyle/>
+          <a:p>
+            <a:pPr algn="ctr"/>
+            <a:r>
+              <a:rPr lang="en-US" dirty="0" smtClean="0"/>
+              <a:t>CSS</a:t>
+            </a:r>
+            <a:endParaRPr lang="hu-HU" dirty="0"/>
+          </a:p>
+        </p:txBody>
+      </p:sp>
+      <p:sp>
+        <p:nvSpPr>
+          <p:cNvPr id="9" name="Tartalom helye 8"/>
+          <p:cNvSpPr>
+            <a:spLocks noGrp="1"/>
+          </p:cNvSpPr>
+          <p:nvPr>
+            <p:ph sz="quarter" idx="4"/>
+          </p:nvPr>
+        </p:nvSpPr>
+        <p:spPr/>
+        <p:txBody>
+          <a:bodyPr/>
+          <a:lstStyle/>
+          <a:p>
+            <a:endParaRPr lang="hu-HU"/>
+          </a:p>
+        </p:txBody>
+      </p:sp>
       <p:pic>
         <p:nvPicPr>
-          <p:cNvPr id="10" name="Tartalom helye 9" descr="200px-HTML.svg.png"/>
+          <p:cNvPr id="1026" name="Picture 2"/>
           <p:cNvPicPr>
-            <a:picLocks noGrp="1" noChangeAspect="1"/>
+            <a:picLocks noGrp="1" noChangeAspect="1" noChangeArrowheads="1"/>
           </p:cNvPicPr>
           <p:nvPr>
             <p:ph sz="half" idx="2"/>
@@ -3645,62 +3706,26 @@
         </p:nvPicPr>
         <p:blipFill>
           <a:blip r:embed="rId2" cstate="print"/>
+          <a:srcRect/>
           <a:stretch>
             <a:fillRect/>
           </a:stretch>
         </p:blipFill>
-        <p:spPr>
+        <p:spPr bwMode="auto">
           <a:xfrm>
-            <a:off x="1403648" y="2780928"/>
-            <a:ext cx="2543150" cy="2962770"/>
+            <a:off x="0" y="1196752"/>
+            <a:ext cx="9144000" cy="5661249"/>
           </a:xfrm>
-        </p:spPr>
-      </p:pic>
-      <p:sp>
-        <p:nvSpPr>
-          <p:cNvPr id="8" name="Szöveg helye 7"/>
-          <p:cNvSpPr>
-            <a:spLocks noGrp="1"/>
-          </p:cNvSpPr>
-          <p:nvPr>
-            <p:ph type="body" sz="quarter" idx="3"/>
-          </p:nvPr>
-        </p:nvSpPr>
-        <p:spPr/>
-        <p:txBody>
-          <a:bodyPr/>
-          <a:lstStyle/>
-          <a:p>
-            <a:pPr algn="ctr"/>
-            <a:r>
-              <a:rPr lang="en-US" dirty="0" smtClean="0"/>
-              <a:t>CSS</a:t>
-            </a:r>
-            <a:endParaRPr lang="hu-HU" dirty="0"/>
-          </a:p>
-        </p:txBody>
-      </p:sp>
-      <p:pic>
-        <p:nvPicPr>
-          <p:cNvPr id="11" name="Tartalom helye 10" descr="CSS-shade.svg.png"/>
-          <p:cNvPicPr>
-            <a:picLocks noGrp="1" noChangeAspect="1"/>
-          </p:cNvPicPr>
-          <p:nvPr>
-            <p:ph sz="quarter" idx="4"/>
-          </p:nvPr>
-        </p:nvPicPr>
-        <p:blipFill>
-          <a:blip r:embed="rId3" cstate="print"/>
-          <a:stretch>
-            <a:fillRect/>
-          </a:stretch>
-        </p:blipFill>
-        <p:spPr>
-          <a:xfrm>
-            <a:off x="5364088" y="2708920"/>
-            <a:ext cx="2808312" cy="3196370"/>
-          </a:xfrm>
+          <a:prstGeom prst="rect">
+            <a:avLst/>
+          </a:prstGeom>
+          <a:noFill/>
+          <a:ln w="9525">
+            <a:noFill/>
+            <a:miter lim="800000"/>
+            <a:headEnd/>
+            <a:tailEnd/>
+          </a:ln>
         </p:spPr>
       </p:pic>
     </p:spTree>
@@ -3737,22 +3762,28 @@
       </p:grpSpPr>
       <p:sp>
         <p:nvSpPr>
-          <p:cNvPr id="2" name="Cím 1"/>
-          <p:cNvSpPr>
-            <a:spLocks noGrp="1"/>
-          </p:cNvSpPr>
-          <p:nvPr>
-            <p:ph type="title"/>
-          </p:nvPr>
-        </p:nvSpPr>
-        <p:spPr/>
-        <p:txBody>
-          <a:bodyPr/>
-          <a:lstStyle/>
-          <a:p>
-            <a:r>
-              <a:rPr lang="en-US" dirty="0" smtClean="0"/>
-              <a:t>Web developing 2</a:t>
+          <p:cNvPr id="3" name="Szöveg helye 2"/>
+          <p:cNvSpPr>
+            <a:spLocks noGrp="1"/>
+          </p:cNvSpPr>
+          <p:nvPr>
+            <p:ph type="body" idx="1"/>
+          </p:nvPr>
+        </p:nvSpPr>
+        <p:spPr>
+          <a:xfrm>
+            <a:off x="1259632" y="764704"/>
+            <a:ext cx="1306488" cy="525735"/>
+          </a:xfrm>
+        </p:spPr>
+        <p:txBody>
+          <a:bodyPr/>
+          <a:lstStyle/>
+          <a:p>
+            <a:pPr algn="ctr"/>
+            <a:r>
+              <a:rPr lang="en-US" dirty="0" err="1" smtClean="0"/>
+              <a:t>git</a:t>
             </a:r>
             <a:endParaRPr lang="hu-HU" dirty="0"/>
           </a:p>
@@ -3760,30 +3791,6 @@
       </p:sp>
       <p:sp>
         <p:nvSpPr>
-          <p:cNvPr id="3" name="Szöveg helye 2"/>
-          <p:cNvSpPr>
-            <a:spLocks noGrp="1"/>
-          </p:cNvSpPr>
-          <p:nvPr>
-            <p:ph type="body" idx="1"/>
-          </p:nvPr>
-        </p:nvSpPr>
-        <p:spPr/>
-        <p:txBody>
-          <a:bodyPr/>
-          <a:lstStyle/>
-          <a:p>
-            <a:pPr algn="ctr"/>
-            <a:r>
-              <a:rPr lang="en-US" dirty="0" smtClean="0"/>
-              <a:t>atom</a:t>
-            </a:r>
-            <a:endParaRPr lang="hu-HU" dirty="0"/>
-          </a:p>
-        </p:txBody>
-      </p:sp>
-      <p:sp>
-        <p:nvSpPr>
           <p:cNvPr id="5" name="Szöveg helye 4"/>
           <p:cNvSpPr>
             <a:spLocks noGrp="1"/>
@@ -3792,7 +3799,12 @@
             <p:ph type="body" sz="quarter" idx="3"/>
           </p:nvPr>
         </p:nvSpPr>
-        <p:spPr/>
+        <p:spPr>
+          <a:xfrm>
+            <a:off x="5652120" y="908720"/>
+            <a:ext cx="2231231" cy="525735"/>
+          </a:xfrm>
+        </p:spPr>
         <p:txBody>
           <a:bodyPr/>
           <a:lstStyle/>
@@ -3825,22 +3837,99 @@
           </a:p>
         </p:txBody>
       </p:sp>
-      <p:sp>
-        <p:nvSpPr>
-          <p:cNvPr id="8" name="Tartalom helye 7"/>
-          <p:cNvSpPr>
-            <a:spLocks noGrp="1"/>
-          </p:cNvSpPr>
+      <p:pic>
+        <p:nvPicPr>
+          <p:cNvPr id="2050" name="Picture 2"/>
+          <p:cNvPicPr>
+            <a:picLocks noGrp="1" noChangeAspect="1" noChangeArrowheads="1"/>
+          </p:cNvPicPr>
           <p:nvPr>
             <p:ph sz="half" idx="2"/>
           </p:nvPr>
-        </p:nvSpPr>
-        <p:spPr/>
-        <p:txBody>
-          <a:bodyPr/>
-          <a:lstStyle/>
-          <a:p>
-            <a:endParaRPr lang="hu-HU"/>
+        </p:nvPicPr>
+        <p:blipFill>
+          <a:blip r:embed="rId2" cstate="print"/>
+          <a:srcRect r="62949" b="6029"/>
+          <a:stretch>
+            <a:fillRect/>
+          </a:stretch>
+        </p:blipFill>
+        <p:spPr bwMode="auto">
+          <a:xfrm>
+            <a:off x="0" y="1365386"/>
+            <a:ext cx="3851920" cy="5492614"/>
+          </a:xfrm>
+          <a:prstGeom prst="rect">
+            <a:avLst/>
+          </a:prstGeom>
+          <a:noFill/>
+          <a:ln w="9525">
+            <a:noFill/>
+            <a:miter lim="800000"/>
+            <a:headEnd/>
+            <a:tailEnd/>
+          </a:ln>
+        </p:spPr>
+      </p:pic>
+      <p:pic>
+        <p:nvPicPr>
+          <p:cNvPr id="2051" name="Picture 3"/>
+          <p:cNvPicPr>
+            <a:picLocks noChangeAspect="1" noChangeArrowheads="1"/>
+          </p:cNvPicPr>
+          <p:nvPr/>
+        </p:nvPicPr>
+        <p:blipFill>
+          <a:blip r:embed="rId3" cstate="print"/>
+          <a:srcRect r="48583" b="4683"/>
+          <a:stretch>
+            <a:fillRect/>
+          </a:stretch>
+        </p:blipFill>
+        <p:spPr bwMode="auto">
+          <a:xfrm>
+            <a:off x="4031432" y="1529408"/>
+            <a:ext cx="5112568" cy="5328592"/>
+          </a:xfrm>
+          <a:prstGeom prst="rect">
+            <a:avLst/>
+          </a:prstGeom>
+          <a:noFill/>
+          <a:ln w="9525">
+            <a:noFill/>
+            <a:miter lim="800000"/>
+            <a:headEnd/>
+            <a:tailEnd/>
+          </a:ln>
+        </p:spPr>
+      </p:pic>
+      <p:sp>
+        <p:nvSpPr>
+          <p:cNvPr id="9" name="Szövegdoboz 8"/>
+          <p:cNvSpPr txBox="1"/>
+          <p:nvPr/>
+        </p:nvSpPr>
+        <p:spPr>
+          <a:xfrm>
+            <a:off x="2987824" y="260648"/>
+            <a:ext cx="2610010" cy="584775"/>
+          </a:xfrm>
+          <a:prstGeom prst="rect">
+            <a:avLst/>
+          </a:prstGeom>
+          <a:noFill/>
+        </p:spPr>
+        <p:txBody>
+          <a:bodyPr wrap="none" rtlCol="0">
+            <a:spAutoFit/>
+          </a:bodyPr>
+          <a:lstStyle/>
+          <a:p>
+            <a:r>
+              <a:rPr lang="en-US" sz="3200" dirty="0" smtClean="0"/>
+              <a:t>Command line</a:t>
+            </a:r>
+            <a:endParaRPr lang="hu-HU" sz="3200" dirty="0"/>
           </a:p>
         </p:txBody>
       </p:sp>
@@ -3960,6 +4049,93 @@
       </p:par>
     </p:tnLst>
   </p:timing>
+</p:sld>
+</file>
+
+<file path=ppt/slides/slide6.xml><?xml version="1.0" encoding="utf-8"?>
+<p:sld xmlns:a="http://schemas.openxmlformats.org/drawingml/2006/main" xmlns:r="http://schemas.openxmlformats.org/officeDocument/2006/relationships" xmlns:p="http://schemas.openxmlformats.org/presentationml/2006/main">
+  <p:cSld>
+    <p:spTree>
+      <p:nvGrpSpPr>
+        <p:cNvPr id="1" name=""/>
+        <p:cNvGrpSpPr/>
+        <p:nvPr/>
+      </p:nvGrpSpPr>
+      <p:grpSpPr>
+        <a:xfrm>
+          <a:off x="0" y="0"/>
+          <a:ext cx="0" cy="0"/>
+          <a:chOff x="0" y="0"/>
+          <a:chExt cx="0" cy="0"/>
+        </a:xfrm>
+      </p:grpSpPr>
+      <p:sp>
+        <p:nvSpPr>
+          <p:cNvPr id="2" name="Cím 1"/>
+          <p:cNvSpPr>
+            <a:spLocks noGrp="1"/>
+          </p:cNvSpPr>
+          <p:nvPr>
+            <p:ph type="title"/>
+          </p:nvPr>
+        </p:nvSpPr>
+        <p:spPr/>
+        <p:txBody>
+          <a:bodyPr/>
+          <a:lstStyle/>
+          <a:p>
+            <a:endParaRPr lang="hu-HU"/>
+          </a:p>
+        </p:txBody>
+      </p:sp>
+      <p:sp>
+        <p:nvSpPr>
+          <p:cNvPr id="4" name="Szöveg helye 3"/>
+          <p:cNvSpPr>
+            <a:spLocks noGrp="1"/>
+          </p:cNvSpPr>
+          <p:nvPr>
+            <p:ph type="body" sz="half" idx="2"/>
+          </p:nvPr>
+        </p:nvSpPr>
+        <p:spPr/>
+        <p:txBody>
+          <a:bodyPr/>
+          <a:lstStyle/>
+          <a:p>
+            <a:endParaRPr lang="hu-HU"/>
+          </a:p>
+        </p:txBody>
+      </p:sp>
+      <p:pic>
+        <p:nvPicPr>
+          <p:cNvPr id="7" name="Kép helye 6" descr="thank-you-computer-keys1.jpg"/>
+          <p:cNvPicPr>
+            <a:picLocks noGrp="1" noChangeAspect="1"/>
+          </p:cNvPicPr>
+          <p:nvPr>
+            <p:ph type="pic" idx="1"/>
+          </p:nvPr>
+        </p:nvPicPr>
+        <p:blipFill>
+          <a:blip r:embed="rId2" cstate="print"/>
+          <a:srcRect l="5556" r="5556"/>
+          <a:stretch>
+            <a:fillRect/>
+          </a:stretch>
+        </p:blipFill>
+        <p:spPr>
+          <a:xfrm>
+            <a:off x="0" y="0"/>
+            <a:ext cx="9144000" cy="6858000"/>
+          </a:xfrm>
+        </p:spPr>
+      </p:pic>
+    </p:spTree>
+  </p:cSld>
+  <p:clrMapOvr>
+    <a:masterClrMapping/>
+  </p:clrMapOvr>
 </p:sld>
 </file>
 
